--- a/poster/poster2.pptx
+++ b/poster/poster2.pptx
@@ -115,7 +115,7 @@
             <a:srgbClr val="A4A3A4"/>
           </p15:clr>
         </p15:guide>
-        <p15:guide id="2" pos="18789" userDrawn="1">
+        <p15:guide id="2" pos="214" userDrawn="1">
           <p15:clr>
             <a:srgbClr val="A4A3A4"/>
           </p15:clr>
@@ -1358,7 +1358,7 @@
           </c:tx>
           <c:spPr>
             <a:solidFill>
-              <a:srgbClr val="7030A0"/>
+              <a:srgbClr val="00B8A9"/>
             </a:solidFill>
             <a:ln w="28575">
               <a:solidFill>
@@ -1371,7 +1371,7 @@
             <c:bubble3D val="0"/>
             <c:spPr>
               <a:solidFill>
-                <a:srgbClr val="7030A0"/>
+                <a:srgbClr val="00B8A9"/>
               </a:solidFill>
               <a:ln w="28575">
                 <a:solidFill>
@@ -1382,7 +1382,7 @@
             </c:spPr>
             <c:extLst>
               <c:ext xmlns:c16="http://schemas.microsoft.com/office/drawing/2014/chart" uri="{C3380CC4-5D6E-409C-BE32-E72D297353CC}">
-                <c16:uniqueId val="{00000001-5A80-4F5B-8698-E6FF10B716F5}"/>
+                <c16:uniqueId val="{00000001-534B-49A3-87A6-C5A72523718A}"/>
               </c:ext>
             </c:extLst>
           </c:dPt>
@@ -1391,7 +1391,7 @@
             <c:bubble3D val="0"/>
             <c:spPr>
               <a:solidFill>
-                <a:srgbClr val="7030A0"/>
+                <a:srgbClr val="00B8A9"/>
               </a:solidFill>
               <a:ln w="28575">
                 <a:solidFill>
@@ -1402,7 +1402,7 @@
             </c:spPr>
             <c:extLst>
               <c:ext xmlns:c16="http://schemas.microsoft.com/office/drawing/2014/chart" uri="{C3380CC4-5D6E-409C-BE32-E72D297353CC}">
-                <c16:uniqueId val="{00000003-5A80-4F5B-8698-E6FF10B716F5}"/>
+                <c16:uniqueId val="{00000003-534B-49A3-87A6-C5A72523718A}"/>
               </c:ext>
             </c:extLst>
           </c:dPt>
@@ -1411,7 +1411,7 @@
             <c:bubble3D val="0"/>
             <c:spPr>
               <a:solidFill>
-                <a:srgbClr val="7030A0"/>
+                <a:srgbClr val="00B8A9"/>
               </a:solidFill>
               <a:ln w="28575">
                 <a:solidFill>
@@ -1422,7 +1422,7 @@
             </c:spPr>
             <c:extLst>
               <c:ext xmlns:c16="http://schemas.microsoft.com/office/drawing/2014/chart" uri="{C3380CC4-5D6E-409C-BE32-E72D297353CC}">
-                <c16:uniqueId val="{00000005-5A80-4F5B-8698-E6FF10B716F5}"/>
+                <c16:uniqueId val="{00000005-534B-49A3-87A6-C5A72523718A}"/>
               </c:ext>
             </c:extLst>
           </c:dPt>
@@ -1431,7 +1431,7 @@
             <c:bubble3D val="0"/>
             <c:spPr>
               <a:solidFill>
-                <a:srgbClr val="7030A0"/>
+                <a:srgbClr val="00B8A9"/>
               </a:solidFill>
               <a:ln w="28575">
                 <a:solidFill>
@@ -1442,7 +1442,7 @@
             </c:spPr>
             <c:extLst>
               <c:ext xmlns:c16="http://schemas.microsoft.com/office/drawing/2014/chart" uri="{C3380CC4-5D6E-409C-BE32-E72D297353CC}">
-                <c16:uniqueId val="{00000007-5A80-4F5B-8698-E6FF10B716F5}"/>
+                <c16:uniqueId val="{00000007-534B-49A3-87A6-C5A72523718A}"/>
               </c:ext>
             </c:extLst>
           </c:dPt>
@@ -1451,7 +1451,7 @@
             <c:bubble3D val="0"/>
             <c:spPr>
               <a:solidFill>
-                <a:srgbClr val="7030A0"/>
+                <a:srgbClr val="00B8A9"/>
               </a:solidFill>
               <a:ln w="28575">
                 <a:solidFill>
@@ -1462,7 +1462,7 @@
             </c:spPr>
             <c:extLst>
               <c:ext xmlns:c16="http://schemas.microsoft.com/office/drawing/2014/chart" uri="{C3380CC4-5D6E-409C-BE32-E72D297353CC}">
-                <c16:uniqueId val="{00000009-5A80-4F5B-8698-E6FF10B716F5}"/>
+                <c16:uniqueId val="{00000009-534B-49A3-87A6-C5A72523718A}"/>
               </c:ext>
             </c:extLst>
           </c:dPt>
@@ -1471,7 +1471,7 @@
             <c:bubble3D val="0"/>
             <c:spPr>
               <a:solidFill>
-                <a:srgbClr val="7030A0"/>
+                <a:srgbClr val="00B8A9"/>
               </a:solidFill>
               <a:ln w="28575">
                 <a:solidFill>
@@ -1482,7 +1482,7 @@
             </c:spPr>
             <c:extLst>
               <c:ext xmlns:c16="http://schemas.microsoft.com/office/drawing/2014/chart" uri="{C3380CC4-5D6E-409C-BE32-E72D297353CC}">
-                <c16:uniqueId val="{0000000B-5A80-4F5B-8698-E6FF10B716F5}"/>
+                <c16:uniqueId val="{0000000B-534B-49A3-87A6-C5A72523718A}"/>
               </c:ext>
             </c:extLst>
           </c:dPt>
@@ -1491,7 +1491,7 @@
             <c:bubble3D val="0"/>
             <c:spPr>
               <a:solidFill>
-                <a:srgbClr val="7030A0"/>
+                <a:srgbClr val="00B8A9"/>
               </a:solidFill>
               <a:ln w="28575">
                 <a:solidFill>
@@ -1502,7 +1502,7 @@
             </c:spPr>
             <c:extLst>
               <c:ext xmlns:c16="http://schemas.microsoft.com/office/drawing/2014/chart" uri="{C3380CC4-5D6E-409C-BE32-E72D297353CC}">
-                <c16:uniqueId val="{0000000D-5A80-4F5B-8698-E6FF10B716F5}"/>
+                <c16:uniqueId val="{0000000D-534B-49A3-87A6-C5A72523718A}"/>
               </c:ext>
             </c:extLst>
           </c:dPt>
@@ -1511,7 +1511,7 @@
             <c:bubble3D val="0"/>
             <c:spPr>
               <a:solidFill>
-                <a:srgbClr val="7030A0"/>
+                <a:srgbClr val="00B8A9"/>
               </a:solidFill>
               <a:ln w="28575">
                 <a:solidFill>
@@ -1522,7 +1522,7 @@
             </c:spPr>
             <c:extLst>
               <c:ext xmlns:c16="http://schemas.microsoft.com/office/drawing/2014/chart" uri="{C3380CC4-5D6E-409C-BE32-E72D297353CC}">
-                <c16:uniqueId val="{0000000F-5A80-4F5B-8698-E6FF10B716F5}"/>
+                <c16:uniqueId val="{0000000F-534B-49A3-87A6-C5A72523718A}"/>
               </c:ext>
             </c:extLst>
           </c:dPt>
@@ -1531,7 +1531,7 @@
             <c:bubble3D val="0"/>
             <c:spPr>
               <a:solidFill>
-                <a:srgbClr val="7030A0"/>
+                <a:srgbClr val="00B8A9"/>
               </a:solidFill>
               <a:ln w="28575">
                 <a:solidFill>
@@ -1542,7 +1542,7 @@
             </c:spPr>
             <c:extLst>
               <c:ext xmlns:c16="http://schemas.microsoft.com/office/drawing/2014/chart" uri="{C3380CC4-5D6E-409C-BE32-E72D297353CC}">
-                <c16:uniqueId val="{00000011-5A80-4F5B-8698-E6FF10B716F5}"/>
+                <c16:uniqueId val="{00000011-534B-49A3-87A6-C5A72523718A}"/>
               </c:ext>
             </c:extLst>
           </c:dPt>
@@ -1551,7 +1551,7 @@
             <c:bubble3D val="0"/>
             <c:spPr>
               <a:solidFill>
-                <a:srgbClr val="7030A0"/>
+                <a:srgbClr val="00B8A9"/>
               </a:solidFill>
               <a:ln w="28575">
                 <a:solidFill>
@@ -1562,7 +1562,7 @@
             </c:spPr>
             <c:extLst>
               <c:ext xmlns:c16="http://schemas.microsoft.com/office/drawing/2014/chart" uri="{C3380CC4-5D6E-409C-BE32-E72D297353CC}">
-                <c16:uniqueId val="{00000013-5A80-4F5B-8698-E6FF10B716F5}"/>
+                <c16:uniqueId val="{00000013-534B-49A3-87A6-C5A72523718A}"/>
               </c:ext>
             </c:extLst>
           </c:dPt>
@@ -1571,7 +1571,7 @@
             <c:bubble3D val="0"/>
             <c:spPr>
               <a:solidFill>
-                <a:srgbClr val="7030A0"/>
+                <a:srgbClr val="00B8A9"/>
               </a:solidFill>
               <a:ln w="28575">
                 <a:solidFill>
@@ -1582,7 +1582,7 @@
             </c:spPr>
             <c:extLst>
               <c:ext xmlns:c16="http://schemas.microsoft.com/office/drawing/2014/chart" uri="{C3380CC4-5D6E-409C-BE32-E72D297353CC}">
-                <c16:uniqueId val="{00000015-5A80-4F5B-8698-E6FF10B716F5}"/>
+                <c16:uniqueId val="{00000015-534B-49A3-87A6-C5A72523718A}"/>
               </c:ext>
             </c:extLst>
           </c:dPt>
@@ -1591,7 +1591,7 @@
             <c:bubble3D val="0"/>
             <c:spPr>
               <a:solidFill>
-                <a:srgbClr val="7030A0"/>
+                <a:srgbClr val="00B8A9"/>
               </a:solidFill>
               <a:ln w="28575">
                 <a:solidFill>
@@ -1602,7 +1602,7 @@
             </c:spPr>
             <c:extLst>
               <c:ext xmlns:c16="http://schemas.microsoft.com/office/drawing/2014/chart" uri="{C3380CC4-5D6E-409C-BE32-E72D297353CC}">
-                <c16:uniqueId val="{00000017-5A80-4F5B-8698-E6FF10B716F5}"/>
+                <c16:uniqueId val="{00000017-534B-49A3-87A6-C5A72523718A}"/>
               </c:ext>
             </c:extLst>
           </c:dPt>
@@ -1611,7 +1611,7 @@
             <c:bubble3D val="0"/>
             <c:spPr>
               <a:solidFill>
-                <a:srgbClr val="7030A0"/>
+                <a:srgbClr val="00B8A9"/>
               </a:solidFill>
               <a:ln w="28575">
                 <a:solidFill>
@@ -1622,7 +1622,7 @@
             </c:spPr>
             <c:extLst>
               <c:ext xmlns:c16="http://schemas.microsoft.com/office/drawing/2014/chart" uri="{C3380CC4-5D6E-409C-BE32-E72D297353CC}">
-                <c16:uniqueId val="{00000019-5A80-4F5B-8698-E6FF10B716F5}"/>
+                <c16:uniqueId val="{00000019-534B-49A3-87A6-C5A72523718A}"/>
               </c:ext>
             </c:extLst>
           </c:dPt>
@@ -1631,7 +1631,7 @@
             <c:bubble3D val="0"/>
             <c:spPr>
               <a:solidFill>
-                <a:srgbClr val="7030A0"/>
+                <a:srgbClr val="00B8A9"/>
               </a:solidFill>
               <a:ln w="28575">
                 <a:solidFill>
@@ -1642,7 +1642,7 @@
             </c:spPr>
             <c:extLst>
               <c:ext xmlns:c16="http://schemas.microsoft.com/office/drawing/2014/chart" uri="{C3380CC4-5D6E-409C-BE32-E72D297353CC}">
-                <c16:uniqueId val="{0000001B-5A80-4F5B-8698-E6FF10B716F5}"/>
+                <c16:uniqueId val="{0000001B-534B-49A3-87A6-C5A72523718A}"/>
               </c:ext>
             </c:extLst>
           </c:dPt>
@@ -1651,7 +1651,7 @@
             <c:bubble3D val="0"/>
             <c:spPr>
               <a:solidFill>
-                <a:srgbClr val="7030A0"/>
+                <a:srgbClr val="00B8A9"/>
               </a:solidFill>
               <a:ln w="28575">
                 <a:solidFill>
@@ -1662,7 +1662,7 @@
             </c:spPr>
             <c:extLst>
               <c:ext xmlns:c16="http://schemas.microsoft.com/office/drawing/2014/chart" uri="{C3380CC4-5D6E-409C-BE32-E72D297353CC}">
-                <c16:uniqueId val="{0000001D-5A80-4F5B-8698-E6FF10B716F5}"/>
+                <c16:uniqueId val="{0000001D-534B-49A3-87A6-C5A72523718A}"/>
               </c:ext>
             </c:extLst>
           </c:dPt>
@@ -1671,7 +1671,7 @@
             <c:bubble3D val="0"/>
             <c:spPr>
               <a:solidFill>
-                <a:srgbClr val="7030A0"/>
+                <a:srgbClr val="00B8A9"/>
               </a:solidFill>
               <a:ln w="28575">
                 <a:solidFill>
@@ -1682,7 +1682,7 @@
             </c:spPr>
             <c:extLst>
               <c:ext xmlns:c16="http://schemas.microsoft.com/office/drawing/2014/chart" uri="{C3380CC4-5D6E-409C-BE32-E72D297353CC}">
-                <c16:uniqueId val="{0000001F-5A80-4F5B-8698-E6FF10B716F5}"/>
+                <c16:uniqueId val="{0000001F-534B-49A3-87A6-C5A72523718A}"/>
               </c:ext>
             </c:extLst>
           </c:dPt>
@@ -1691,7 +1691,7 @@
             <c:bubble3D val="0"/>
             <c:spPr>
               <a:solidFill>
-                <a:srgbClr val="7030A0"/>
+                <a:srgbClr val="00B8A9"/>
               </a:solidFill>
               <a:ln w="28575">
                 <a:solidFill>
@@ -1702,7 +1702,7 @@
             </c:spPr>
             <c:extLst>
               <c:ext xmlns:c16="http://schemas.microsoft.com/office/drawing/2014/chart" uri="{C3380CC4-5D6E-409C-BE32-E72D297353CC}">
-                <c16:uniqueId val="{00000021-5A80-4F5B-8698-E6FF10B716F5}"/>
+                <c16:uniqueId val="{00000021-534B-49A3-87A6-C5A72523718A}"/>
               </c:ext>
             </c:extLst>
           </c:dPt>
@@ -1711,7 +1711,7 @@
             <c:bubble3D val="0"/>
             <c:spPr>
               <a:solidFill>
-                <a:srgbClr val="7030A0"/>
+                <a:srgbClr val="00B8A9"/>
               </a:solidFill>
               <a:ln w="28575">
                 <a:solidFill>
@@ -1722,7 +1722,7 @@
             </c:spPr>
             <c:extLst>
               <c:ext xmlns:c16="http://schemas.microsoft.com/office/drawing/2014/chart" uri="{C3380CC4-5D6E-409C-BE32-E72D297353CC}">
-                <c16:uniqueId val="{00000023-5A80-4F5B-8698-E6FF10B716F5}"/>
+                <c16:uniqueId val="{00000023-534B-49A3-87A6-C5A72523718A}"/>
               </c:ext>
             </c:extLst>
           </c:dPt>
@@ -1731,7 +1731,7 @@
             <c:bubble3D val="0"/>
             <c:spPr>
               <a:solidFill>
-                <a:srgbClr val="7030A0"/>
+                <a:srgbClr val="00B8A9"/>
               </a:solidFill>
               <a:ln w="28575">
                 <a:solidFill>
@@ -1742,7 +1742,7 @@
             </c:spPr>
             <c:extLst>
               <c:ext xmlns:c16="http://schemas.microsoft.com/office/drawing/2014/chart" uri="{C3380CC4-5D6E-409C-BE32-E72D297353CC}">
-                <c16:uniqueId val="{00000025-5A80-4F5B-8698-E6FF10B716F5}"/>
+                <c16:uniqueId val="{00000025-534B-49A3-87A6-C5A72523718A}"/>
               </c:ext>
             </c:extLst>
           </c:dPt>
@@ -1751,7 +1751,7 @@
             <c:bubble3D val="0"/>
             <c:spPr>
               <a:solidFill>
-                <a:srgbClr val="7030A0"/>
+                <a:srgbClr val="00B8A9"/>
               </a:solidFill>
               <a:ln w="28575">
                 <a:solidFill>
@@ -1762,7 +1762,7 @@
             </c:spPr>
             <c:extLst>
               <c:ext xmlns:c16="http://schemas.microsoft.com/office/drawing/2014/chart" uri="{C3380CC4-5D6E-409C-BE32-E72D297353CC}">
-                <c16:uniqueId val="{00000027-5A80-4F5B-8698-E6FF10B716F5}"/>
+                <c16:uniqueId val="{00000027-534B-49A3-87A6-C5A72523718A}"/>
               </c:ext>
             </c:extLst>
           </c:dPt>
@@ -1906,7 +1906,7 @@
           </c:val>
           <c:extLst>
             <c:ext xmlns:c16="http://schemas.microsoft.com/office/drawing/2014/chart" uri="{C3380CC4-5D6E-409C-BE32-E72D297353CC}">
-              <c16:uniqueId val="{00000028-5A80-4F5B-8698-E6FF10B716F5}"/>
+              <c16:uniqueId val="{00000028-534B-49A3-87A6-C5A72523718A}"/>
             </c:ext>
           </c:extLst>
         </c:ser>
@@ -1944,7 +1944,7 @@
             <c:spPr>
               <a:solidFill>
                 <a:schemeClr val="bg1">
-                  <a:alpha val="0"/>
+                  <a:alpha val="19000"/>
                 </a:schemeClr>
               </a:solidFill>
               <a:ln w="19050">
@@ -1956,7 +1956,7 @@
             </c:spPr>
             <c:extLst>
               <c:ext xmlns:c16="http://schemas.microsoft.com/office/drawing/2014/chart" uri="{C3380CC4-5D6E-409C-BE32-E72D297353CC}">
-                <c16:uniqueId val="{0000002A-5A80-4F5B-8698-E6FF10B716F5}"/>
+                <c16:uniqueId val="{0000002A-534B-49A3-87A6-C5A72523718A}"/>
               </c:ext>
             </c:extLst>
           </c:dPt>
@@ -1978,7 +1978,7 @@
             </c:spPr>
             <c:extLst>
               <c:ext xmlns:c16="http://schemas.microsoft.com/office/drawing/2014/chart" uri="{C3380CC4-5D6E-409C-BE32-E72D297353CC}">
-                <c16:uniqueId val="{0000002C-5A80-4F5B-8698-E6FF10B716F5}"/>
+                <c16:uniqueId val="{0000002C-534B-49A3-87A6-C5A72523718A}"/>
               </c:ext>
             </c:extLst>
           </c:dPt>
@@ -1998,7 +1998,7 @@
             </c:spPr>
             <c:extLst>
               <c:ext xmlns:c16="http://schemas.microsoft.com/office/drawing/2014/chart" uri="{C3380CC4-5D6E-409C-BE32-E72D297353CC}">
-                <c16:uniqueId val="{0000002E-5A80-4F5B-8698-E6FF10B716F5}"/>
+                <c16:uniqueId val="{0000002E-534B-49A3-87A6-C5A72523718A}"/>
               </c:ext>
             </c:extLst>
           </c:dPt>
@@ -2018,7 +2018,7 @@
             </c:spPr>
             <c:extLst>
               <c:ext xmlns:c16="http://schemas.microsoft.com/office/drawing/2014/chart" uri="{C3380CC4-5D6E-409C-BE32-E72D297353CC}">
-                <c16:uniqueId val="{00000030-5A80-4F5B-8698-E6FF10B716F5}"/>
+                <c16:uniqueId val="{00000030-534B-49A3-87A6-C5A72523718A}"/>
               </c:ext>
             </c:extLst>
           </c:dPt>
@@ -2038,7 +2038,7 @@
             </c:spPr>
             <c:extLst>
               <c:ext xmlns:c16="http://schemas.microsoft.com/office/drawing/2014/chart" uri="{C3380CC4-5D6E-409C-BE32-E72D297353CC}">
-                <c16:uniqueId val="{00000032-5A80-4F5B-8698-E6FF10B716F5}"/>
+                <c16:uniqueId val="{00000032-534B-49A3-87A6-C5A72523718A}"/>
               </c:ext>
             </c:extLst>
           </c:dPt>
@@ -2058,7 +2058,7 @@
             </c:spPr>
             <c:extLst>
               <c:ext xmlns:c16="http://schemas.microsoft.com/office/drawing/2014/chart" uri="{C3380CC4-5D6E-409C-BE32-E72D297353CC}">
-                <c16:uniqueId val="{00000034-5A80-4F5B-8698-E6FF10B716F5}"/>
+                <c16:uniqueId val="{00000034-534B-49A3-87A6-C5A72523718A}"/>
               </c:ext>
             </c:extLst>
           </c:dPt>
@@ -2080,7 +2080,7 @@
             </c:spPr>
             <c:extLst>
               <c:ext xmlns:c16="http://schemas.microsoft.com/office/drawing/2014/chart" uri="{C3380CC4-5D6E-409C-BE32-E72D297353CC}">
-                <c16:uniqueId val="{00000036-5A80-4F5B-8698-E6FF10B716F5}"/>
+                <c16:uniqueId val="{00000036-534B-49A3-87A6-C5A72523718A}"/>
               </c:ext>
             </c:extLst>
           </c:dPt>
@@ -2102,7 +2102,7 @@
             </c:spPr>
             <c:extLst>
               <c:ext xmlns:c16="http://schemas.microsoft.com/office/drawing/2014/chart" uri="{C3380CC4-5D6E-409C-BE32-E72D297353CC}">
-                <c16:uniqueId val="{00000038-5A80-4F5B-8698-E6FF10B716F5}"/>
+                <c16:uniqueId val="{00000038-534B-49A3-87A6-C5A72523718A}"/>
               </c:ext>
             </c:extLst>
           </c:dPt>
@@ -2124,7 +2124,7 @@
             </c:spPr>
             <c:extLst>
               <c:ext xmlns:c16="http://schemas.microsoft.com/office/drawing/2014/chart" uri="{C3380CC4-5D6E-409C-BE32-E72D297353CC}">
-                <c16:uniqueId val="{0000003A-5A80-4F5B-8698-E6FF10B716F5}"/>
+                <c16:uniqueId val="{0000003A-534B-49A3-87A6-C5A72523718A}"/>
               </c:ext>
             </c:extLst>
           </c:dPt>
@@ -2146,7 +2146,7 @@
             </c:spPr>
             <c:extLst>
               <c:ext xmlns:c16="http://schemas.microsoft.com/office/drawing/2014/chart" uri="{C3380CC4-5D6E-409C-BE32-E72D297353CC}">
-                <c16:uniqueId val="{0000003C-5A80-4F5B-8698-E6FF10B716F5}"/>
+                <c16:uniqueId val="{0000003C-534B-49A3-87A6-C5A72523718A}"/>
               </c:ext>
             </c:extLst>
           </c:dPt>
@@ -2168,7 +2168,7 @@
             </c:spPr>
             <c:extLst>
               <c:ext xmlns:c16="http://schemas.microsoft.com/office/drawing/2014/chart" uri="{C3380CC4-5D6E-409C-BE32-E72D297353CC}">
-                <c16:uniqueId val="{0000003E-5A80-4F5B-8698-E6FF10B716F5}"/>
+                <c16:uniqueId val="{0000003E-534B-49A3-87A6-C5A72523718A}"/>
               </c:ext>
             </c:extLst>
           </c:dPt>
@@ -2190,7 +2190,7 @@
             </c:spPr>
             <c:extLst>
               <c:ext xmlns:c16="http://schemas.microsoft.com/office/drawing/2014/chart" uri="{C3380CC4-5D6E-409C-BE32-E72D297353CC}">
-                <c16:uniqueId val="{00000040-5A80-4F5B-8698-E6FF10B716F5}"/>
+                <c16:uniqueId val="{00000040-534B-49A3-87A6-C5A72523718A}"/>
               </c:ext>
             </c:extLst>
           </c:dPt>
@@ -2213,7 +2213,7 @@
             </c:spPr>
             <c:extLst>
               <c:ext xmlns:c16="http://schemas.microsoft.com/office/drawing/2014/chart" uri="{C3380CC4-5D6E-409C-BE32-E72D297353CC}">
-                <c16:uniqueId val="{00000042-5A80-4F5B-8698-E6FF10B716F5}"/>
+                <c16:uniqueId val="{00000042-534B-49A3-87A6-C5A72523718A}"/>
               </c:ext>
             </c:extLst>
           </c:dPt>
@@ -2236,7 +2236,7 @@
             </c:spPr>
             <c:extLst>
               <c:ext xmlns:c16="http://schemas.microsoft.com/office/drawing/2014/chart" uri="{C3380CC4-5D6E-409C-BE32-E72D297353CC}">
-                <c16:uniqueId val="{00000044-5A80-4F5B-8698-E6FF10B716F5}"/>
+                <c16:uniqueId val="{00000044-534B-49A3-87A6-C5A72523718A}"/>
               </c:ext>
             </c:extLst>
           </c:dPt>
@@ -2259,7 +2259,7 @@
             </c:spPr>
             <c:extLst>
               <c:ext xmlns:c16="http://schemas.microsoft.com/office/drawing/2014/chart" uri="{C3380CC4-5D6E-409C-BE32-E72D297353CC}">
-                <c16:uniqueId val="{00000046-5A80-4F5B-8698-E6FF10B716F5}"/>
+                <c16:uniqueId val="{00000046-534B-49A3-87A6-C5A72523718A}"/>
               </c:ext>
             </c:extLst>
           </c:dPt>
@@ -2282,7 +2282,7 @@
             </c:spPr>
             <c:extLst>
               <c:ext xmlns:c16="http://schemas.microsoft.com/office/drawing/2014/chart" uri="{C3380CC4-5D6E-409C-BE32-E72D297353CC}">
-                <c16:uniqueId val="{00000048-5A80-4F5B-8698-E6FF10B716F5}"/>
+                <c16:uniqueId val="{00000048-534B-49A3-87A6-C5A72523718A}"/>
               </c:ext>
             </c:extLst>
           </c:dPt>
@@ -2305,7 +2305,7 @@
             </c:spPr>
             <c:extLst>
               <c:ext xmlns:c16="http://schemas.microsoft.com/office/drawing/2014/chart" uri="{C3380CC4-5D6E-409C-BE32-E72D297353CC}">
-                <c16:uniqueId val="{0000004A-5A80-4F5B-8698-E6FF10B716F5}"/>
+                <c16:uniqueId val="{0000004A-534B-49A3-87A6-C5A72523718A}"/>
               </c:ext>
             </c:extLst>
           </c:dPt>
@@ -2328,7 +2328,7 @@
             </c:spPr>
             <c:extLst>
               <c:ext xmlns:c16="http://schemas.microsoft.com/office/drawing/2014/chart" uri="{C3380CC4-5D6E-409C-BE32-E72D297353CC}">
-                <c16:uniqueId val="{0000004C-5A80-4F5B-8698-E6FF10B716F5}"/>
+                <c16:uniqueId val="{0000004C-534B-49A3-87A6-C5A72523718A}"/>
               </c:ext>
             </c:extLst>
           </c:dPt>
@@ -2350,7 +2350,7 @@
             </c:spPr>
             <c:extLst>
               <c:ext xmlns:c16="http://schemas.microsoft.com/office/drawing/2014/chart" uri="{C3380CC4-5D6E-409C-BE32-E72D297353CC}">
-                <c16:uniqueId val="{0000004E-5A80-4F5B-8698-E6FF10B716F5}"/>
+                <c16:uniqueId val="{0000004E-534B-49A3-87A6-C5A72523718A}"/>
               </c:ext>
             </c:extLst>
           </c:dPt>
@@ -2372,7 +2372,7 @@
             </c:spPr>
             <c:extLst>
               <c:ext xmlns:c16="http://schemas.microsoft.com/office/drawing/2014/chart" uri="{C3380CC4-5D6E-409C-BE32-E72D297353CC}">
-                <c16:uniqueId val="{00000050-5A80-4F5B-8698-E6FF10B716F5}"/>
+                <c16:uniqueId val="{00000050-534B-49A3-87A6-C5A72523718A}"/>
               </c:ext>
             </c:extLst>
           </c:dPt>
@@ -2462,7 +2462,7 @@
           </c:val>
           <c:extLst>
             <c:ext xmlns:c16="http://schemas.microsoft.com/office/drawing/2014/chart" uri="{C3380CC4-5D6E-409C-BE32-E72D297353CC}">
-              <c16:uniqueId val="{00000051-5A80-4F5B-8698-E6FF10B716F5}"/>
+              <c16:uniqueId val="{00000051-534B-49A3-87A6-C5A72523718A}"/>
             </c:ext>
           </c:extLst>
         </c:ser>
@@ -6952,7 +6952,7 @@
         </p:nvGrpSpPr>
         <p:grpSpPr>
           <a:xfrm>
-            <a:off x="175028" y="2806688"/>
+            <a:off x="303296" y="2808025"/>
             <a:ext cx="14089036" cy="1092572"/>
             <a:chOff x="539173" y="22979994"/>
             <a:chExt cx="13608627" cy="1308051"/>
@@ -7114,7 +7114,7 @@
         </p:nvSpPr>
         <p:spPr>
           <a:xfrm>
-            <a:off x="450538" y="14607922"/>
+            <a:off x="426703" y="14583523"/>
             <a:ext cx="13941794" cy="3470758"/>
           </a:xfrm>
           <a:prstGeom prst="rect">
@@ -7188,7 +7188,7 @@
         </p:nvSpPr>
         <p:spPr>
           <a:xfrm>
-            <a:off x="353864" y="25485707"/>
+            <a:off x="427541" y="25306864"/>
             <a:ext cx="13789238" cy="2781339"/>
           </a:xfrm>
           <a:prstGeom prst="rect">
@@ -7262,7 +7262,7 @@
         </p:nvSpPr>
         <p:spPr>
           <a:xfrm>
-            <a:off x="314436" y="33636412"/>
+            <a:off x="490243" y="33632908"/>
             <a:ext cx="13753328" cy="3470758"/>
           </a:xfrm>
           <a:prstGeom prst="rect">
@@ -7410,7 +7410,7 @@
         </p:nvSpPr>
         <p:spPr>
           <a:xfrm>
-            <a:off x="215771" y="4014602"/>
+            <a:off x="418991" y="3963434"/>
             <a:ext cx="13751906" cy="4849597"/>
           </a:xfrm>
           <a:prstGeom prst="rect">
@@ -8072,14 +8072,14 @@
           <p:nvPr>
             <p:extLst>
               <p:ext uri="{D42A27DB-BD31-4B8C-83A1-F6EECF244321}">
-                <p14:modId xmlns:p14="http://schemas.microsoft.com/office/powerpoint/2010/main" val="1410666622"/>
+                <p14:modId xmlns:p14="http://schemas.microsoft.com/office/powerpoint/2010/main" val="1076625606"/>
               </p:ext>
             </p:extLst>
           </p:nvPr>
         </p:nvGraphicFramePr>
         <p:xfrm>
           <a:off x="16367020" y="16277873"/>
-          <a:ext cx="13287760" cy="5500947"/>
+          <a:ext cx="13287760" cy="6160844"/>
         </p:xfrm>
         <a:graphic>
           <a:graphicData uri="http://schemas.openxmlformats.org/drawingml/2006/table">
@@ -8138,7 +8138,7 @@
                   </a:extLst>
                 </a:gridCol>
               </a:tblGrid>
-              <a:tr h="1007928">
+              <a:tr h="1015717">
                 <a:tc>
                   <a:txBody>
                     <a:bodyPr/>
@@ -8347,7 +8347,7 @@
                   </a:ext>
                 </a:extLst>
               </a:tr>
-              <a:tr h="979232">
+              <a:tr h="914400">
                 <a:tc>
                   <a:txBody>
                     <a:bodyPr/>
@@ -8564,7 +8564,7 @@
                   </a:ext>
                 </a:extLst>
               </a:tr>
-              <a:tr h="660607">
+              <a:tr h="800100">
                 <a:tc>
                   <a:txBody>
                     <a:bodyPr/>
@@ -8781,7 +8781,7 @@
                   </a:ext>
                 </a:extLst>
               </a:tr>
-              <a:tr h="660607">
+              <a:tr h="800100">
                 <a:tc>
                   <a:txBody>
                     <a:bodyPr/>
@@ -8998,7 +8998,7 @@
                   </a:ext>
                 </a:extLst>
               </a:tr>
-              <a:tr h="660607">
+              <a:tr h="741342">
                 <a:tc>
                   <a:txBody>
                     <a:bodyPr/>
@@ -9215,7 +9215,7 @@
                   </a:ext>
                 </a:extLst>
               </a:tr>
-              <a:tr h="552734">
+              <a:tr h="790278">
                 <a:tc>
                   <a:txBody>
                     <a:bodyPr/>
@@ -9432,7 +9432,7 @@
                   </a:ext>
                 </a:extLst>
               </a:tr>
-              <a:tr h="979232">
+              <a:tr h="1098907">
                 <a:tc>
                   <a:txBody>
                     <a:bodyPr/>
@@ -9738,7 +9738,7 @@
         </p:nvSpPr>
         <p:spPr>
           <a:xfrm>
-            <a:off x="16260758" y="14670830"/>
+            <a:off x="16130010" y="14480418"/>
             <a:ext cx="13624071" cy="1402500"/>
           </a:xfrm>
           <a:prstGeom prst="rect">
@@ -9815,7 +9815,7 @@
         </p:nvGrpSpPr>
         <p:grpSpPr>
           <a:xfrm>
-            <a:off x="921232" y="9737579"/>
+            <a:off x="980820" y="9812989"/>
             <a:ext cx="12004918" cy="3508667"/>
             <a:chOff x="769713" y="11978381"/>
             <a:chExt cx="12062962" cy="3579973"/>
@@ -9986,7 +9986,7 @@
         </p:nvSpPr>
         <p:spPr>
           <a:xfrm>
-            <a:off x="16130010" y="39304609"/>
+            <a:off x="16197256" y="39358183"/>
             <a:ext cx="13764993" cy="2784993"/>
           </a:xfrm>
           <a:prstGeom prst="rect">
@@ -10489,7 +10489,7 @@
         </p:nvGrpSpPr>
         <p:grpSpPr>
           <a:xfrm>
-            <a:off x="238910" y="8343529"/>
+            <a:off x="328639" y="8370896"/>
             <a:ext cx="14089036" cy="1092572"/>
             <a:chOff x="539173" y="22979994"/>
             <a:chExt cx="13608627" cy="1308051"/>
@@ -10610,7 +10610,7 @@
         </p:nvGrpSpPr>
         <p:grpSpPr>
           <a:xfrm>
-            <a:off x="215771" y="13435528"/>
+            <a:off x="314436" y="13495372"/>
             <a:ext cx="14089036" cy="1092572"/>
             <a:chOff x="539173" y="22979994"/>
             <a:chExt cx="13608627" cy="1308051"/>
@@ -10992,7 +10992,7 @@
         </p:nvGrpSpPr>
         <p:grpSpPr>
           <a:xfrm>
-            <a:off x="16021198" y="22964012"/>
+            <a:off x="15909626" y="23153716"/>
             <a:ext cx="13979405" cy="1092572"/>
             <a:chOff x="539173" y="22979994"/>
             <a:chExt cx="13608627" cy="1308051"/>
@@ -11099,180 +11099,49 @@
           </p:txBody>
         </p:sp>
       </p:grpSp>
-      <p:grpSp>
-        <p:nvGrpSpPr>
-          <p:cNvPr id="202" name="Group 201">
+      <p:sp>
+        <p:nvSpPr>
+          <p:cNvPr id="83" name="TextBox 82">
             <a:extLst>
               <a:ext uri="{FF2B5EF4-FFF2-40B4-BE49-F238E27FC236}">
-                <a16:creationId xmlns:a16="http://schemas.microsoft.com/office/drawing/2014/main" id="{8511A836-2080-4CB1-A2E3-DA7F28B9D9AC}"/>
+                <a16:creationId xmlns:a16="http://schemas.microsoft.com/office/drawing/2014/main" id="{C8F3B924-6F34-499E-BEEE-20CA1ECD5302}"/>
               </a:ext>
             </a:extLst>
           </p:cNvPr>
-          <p:cNvGrpSpPr/>
+          <p:cNvSpPr txBox="1"/>
           <p:nvPr/>
-        </p:nvGrpSpPr>
-        <p:grpSpPr>
+        </p:nvSpPr>
+        <p:spPr>
           <a:xfrm>
-            <a:off x="15658964" y="7355187"/>
-            <a:ext cx="5520089" cy="4718225"/>
-            <a:chOff x="15527845" y="7149536"/>
-            <a:chExt cx="5520089" cy="4718225"/>
+            <a:off x="15974052" y="11143648"/>
+            <a:ext cx="4799664" cy="923330"/>
           </a:xfrm>
-        </p:grpSpPr>
-        <p:grpSp>
-          <p:nvGrpSpPr>
-            <p:cNvPr id="71" name="Group 70">
-              <a:extLst>
-                <a:ext uri="{FF2B5EF4-FFF2-40B4-BE49-F238E27FC236}">
-                  <a16:creationId xmlns:a16="http://schemas.microsoft.com/office/drawing/2014/main" id="{74CF3E26-9DC3-41B2-B87F-C372F3FBE88B}"/>
-                </a:ext>
-              </a:extLst>
-            </p:cNvPr>
-            <p:cNvGrpSpPr/>
-            <p:nvPr/>
-          </p:nvGrpSpPr>
-          <p:grpSpPr>
-            <a:xfrm>
-              <a:off x="15527845" y="7149536"/>
-              <a:ext cx="5520089" cy="3872664"/>
-              <a:chOff x="17846548" y="19328106"/>
-              <a:chExt cx="7393525" cy="5019982"/>
-            </a:xfrm>
-          </p:grpSpPr>
-          <p:graphicFrame>
-            <p:nvGraphicFramePr>
-              <p:cNvPr id="73" name="Chart 72">
-                <a:extLst>
-                  <a:ext uri="{FF2B5EF4-FFF2-40B4-BE49-F238E27FC236}">
-                    <a16:creationId xmlns:a16="http://schemas.microsoft.com/office/drawing/2014/main" id="{A0F82988-3052-4A7C-9CFF-264146A5FC9E}"/>
-                  </a:ext>
-                </a:extLst>
-              </p:cNvPr>
-              <p:cNvGraphicFramePr/>
-              <p:nvPr>
-                <p:extLst>
-                  <p:ext uri="{D42A27DB-BD31-4B8C-83A1-F6EECF244321}">
-                    <p14:modId xmlns:p14="http://schemas.microsoft.com/office/powerpoint/2010/main" val="3814630695"/>
-                  </p:ext>
-                </p:extLst>
-              </p:nvPr>
-            </p:nvGraphicFramePr>
-            <p:xfrm>
-              <a:off x="17846548" y="19328106"/>
-              <a:ext cx="7393525" cy="5019982"/>
-            </p:xfrm>
-            <a:graphic>
-              <a:graphicData uri="http://schemas.openxmlformats.org/drawingml/2006/chart">
-                <c:chart xmlns:c="http://schemas.openxmlformats.org/drawingml/2006/chart" xmlns:r="http://schemas.openxmlformats.org/officeDocument/2006/relationships" r:id="rId8"/>
-              </a:graphicData>
-            </a:graphic>
-          </p:graphicFrame>
-          <p:sp>
-            <p:nvSpPr>
-              <p:cNvPr id="77" name="Oval 76">
-                <a:extLst>
-                  <a:ext uri="{FF2B5EF4-FFF2-40B4-BE49-F238E27FC236}">
-                    <a16:creationId xmlns:a16="http://schemas.microsoft.com/office/drawing/2014/main" id="{02B95A64-EEE7-4A62-B4D8-A38BA05B2402}"/>
-                  </a:ext>
-                </a:extLst>
-              </p:cNvPr>
-              <p:cNvSpPr/>
-              <p:nvPr/>
-            </p:nvSpPr>
-            <p:spPr>
-              <a:xfrm>
-                <a:off x="20584199" y="20897905"/>
-                <a:ext cx="1918223" cy="1803236"/>
-              </a:xfrm>
-              <a:prstGeom prst="ellipse">
-                <a:avLst/>
-              </a:prstGeom>
-              <a:solidFill>
-                <a:srgbClr val="7030A0"/>
-              </a:solidFill>
-            </p:spPr>
-            <p:style>
-              <a:lnRef idx="0">
-                <a:schemeClr val="accent4"/>
-              </a:lnRef>
-              <a:fillRef idx="3">
-                <a:schemeClr val="accent4"/>
-              </a:fillRef>
-              <a:effectRef idx="3">
-                <a:schemeClr val="accent4"/>
-              </a:effectRef>
-              <a:fontRef idx="minor">
-                <a:schemeClr val="lt1"/>
-              </a:fontRef>
-            </p:style>
-            <p:txBody>
-              <a:bodyPr rtlCol="0" anchor="ctr"/>
-              <a:lstStyle/>
-              <a:p>
-                <a:pPr algn="ctr"/>
-                <a:r>
-                  <a:rPr lang="en-IN" sz="4400" b="1" dirty="0">
-                    <a:ea typeface="Roboto" panose="02000000000000000000" pitchFamily="2" charset="0"/>
-                    <a:cs typeface="Arial" panose="020B0604020202020204" pitchFamily="34" charset="0"/>
-                  </a:rPr>
-                  <a:t>5</a:t>
-                </a:r>
-                <a:r>
-                  <a:rPr lang="en-IN" sz="4000" dirty="0">
-                    <a:latin typeface="Arial" panose="020B0604020202020204" pitchFamily="34" charset="0"/>
-                    <a:ea typeface="Cambria Math" panose="02040503050406030204" pitchFamily="18" charset="0"/>
-                    <a:cs typeface="Arial" panose="020B0604020202020204" pitchFamily="34" charset="0"/>
-                  </a:rPr>
-                  <a:t>x</a:t>
-                </a:r>
-              </a:p>
-            </p:txBody>
-          </p:sp>
-        </p:grpSp>
-        <p:sp>
-          <p:nvSpPr>
-            <p:cNvPr id="83" name="TextBox 82">
-              <a:extLst>
-                <a:ext uri="{FF2B5EF4-FFF2-40B4-BE49-F238E27FC236}">
-                  <a16:creationId xmlns:a16="http://schemas.microsoft.com/office/drawing/2014/main" id="{C8F3B924-6F34-499E-BEEE-20CA1ECD5302}"/>
-                </a:ext>
-              </a:extLst>
-            </p:cNvPr>
-            <p:cNvSpPr txBox="1"/>
-            <p:nvPr/>
-          </p:nvSpPr>
-          <p:spPr>
-            <a:xfrm>
-              <a:off x="15778508" y="10944431"/>
-              <a:ext cx="4799664" cy="923330"/>
-            </a:xfrm>
-            <a:prstGeom prst="rect">
-              <a:avLst/>
-            </a:prstGeom>
-            <a:noFill/>
-          </p:spPr>
-          <p:txBody>
-            <a:bodyPr wrap="square" rtlCol="0">
-              <a:spAutoFit/>
-            </a:bodyPr>
-            <a:lstStyle/>
-            <a:p>
-              <a:pPr algn="ctr"/>
-              <a:r>
-                <a:rPr lang="en-IN" sz="2700" dirty="0"/>
-                <a:t>5x Speedup by using </a:t>
-              </a:r>
-            </a:p>
-            <a:p>
-              <a:pPr algn="ctr"/>
-              <a:r>
-                <a:rPr lang="en-IN" sz="2700" dirty="0"/>
-                <a:t>dynamic A* </a:t>
-              </a:r>
-            </a:p>
-          </p:txBody>
-        </p:sp>
-      </p:grpSp>
+          <a:prstGeom prst="rect">
+            <a:avLst/>
+          </a:prstGeom>
+          <a:noFill/>
+        </p:spPr>
+        <p:txBody>
+          <a:bodyPr wrap="square" rtlCol="0">
+            <a:spAutoFit/>
+          </a:bodyPr>
+          <a:lstStyle/>
+          <a:p>
+            <a:pPr algn="ctr"/>
+            <a:r>
+              <a:rPr lang="en-IN" sz="2700" dirty="0"/>
+              <a:t>5x Speedup by using </a:t>
+            </a:r>
+          </a:p>
+          <a:p>
+            <a:pPr algn="ctr"/>
+            <a:r>
+              <a:rPr lang="en-IN" sz="2700" dirty="0"/>
+              <a:t>dynamic A* </a:t>
+            </a:r>
+          </a:p>
+        </p:txBody>
+      </p:sp>
       <p:grpSp>
         <p:nvGrpSpPr>
           <p:cNvPr id="87" name="Group 86">
@@ -11287,7 +11156,7 @@
         </p:nvGrpSpPr>
         <p:grpSpPr>
           <a:xfrm>
-            <a:off x="215771" y="24146621"/>
+            <a:off x="363548" y="24196608"/>
             <a:ext cx="14089036" cy="1092572"/>
             <a:chOff x="539173" y="22979994"/>
             <a:chExt cx="13608627" cy="1308051"/>
@@ -11414,7 +11283,7 @@
         </p:nvGrpSpPr>
         <p:grpSpPr>
           <a:xfrm>
-            <a:off x="238910" y="32498645"/>
+            <a:off x="353864" y="32469573"/>
             <a:ext cx="14089036" cy="1092572"/>
             <a:chOff x="539173" y="22869404"/>
             <a:chExt cx="13608627" cy="1308051"/>
@@ -11541,7 +11410,7 @@
         </p:nvGrpSpPr>
         <p:grpSpPr>
           <a:xfrm>
-            <a:off x="16021198" y="37967887"/>
+            <a:off x="15909625" y="37971471"/>
             <a:ext cx="13979405" cy="1092572"/>
             <a:chOff x="539173" y="22979994"/>
             <a:chExt cx="13608627" cy="1308051"/>
@@ -11662,7 +11531,7 @@
         </p:nvGrpSpPr>
         <p:grpSpPr>
           <a:xfrm>
-            <a:off x="5979311" y="37152365"/>
+            <a:off x="5831451" y="37269739"/>
             <a:ext cx="8223238" cy="4902931"/>
             <a:chOff x="5527343" y="36872808"/>
             <a:chExt cx="8223238" cy="4902931"/>
@@ -11683,7 +11552,7 @@
             <p:nvPr/>
           </p:nvPicPr>
           <p:blipFill rotWithShape="1">
-            <a:blip r:embed="rId9">
+            <a:blip r:embed="rId8">
               <a:extLst>
                 <a:ext uri="{28A0092B-C50C-407E-A947-70E740481C1C}">
                   <a14:useLocalDpi xmlns:a14="http://schemas.microsoft.com/office/drawing/2010/main" val="0"/>
@@ -11751,41 +11620,6 @@
           </p:txBody>
         </p:sp>
       </p:grpSp>
-      <p:pic>
-        <p:nvPicPr>
-          <p:cNvPr id="28" name="Picture 27">
-            <a:extLst>
-              <a:ext uri="{FF2B5EF4-FFF2-40B4-BE49-F238E27FC236}">
-                <a16:creationId xmlns:a16="http://schemas.microsoft.com/office/drawing/2014/main" id="{D6151A85-75E6-454F-B220-6F32A353413D}"/>
-              </a:ext>
-            </a:extLst>
-          </p:cNvPr>
-          <p:cNvPicPr>
-            <a:picLocks noChangeAspect="1"/>
-          </p:cNvPicPr>
-          <p:nvPr/>
-        </p:nvPicPr>
-        <p:blipFill rotWithShape="1">
-          <a:blip r:embed="rId10">
-            <a:extLst>
-              <a:ext uri="{28A0092B-C50C-407E-A947-70E740481C1C}">
-                <a14:useLocalDpi xmlns:a14="http://schemas.microsoft.com/office/drawing/2010/main" val="0"/>
-              </a:ext>
-            </a:extLst>
-          </a:blip>
-          <a:srcRect t="19753" r="38640" b="249"/>
-          <a:stretch/>
-        </p:blipFill>
-        <p:spPr>
-          <a:xfrm>
-            <a:off x="20764149" y="7658160"/>
-            <a:ext cx="8773967" cy="4724615"/>
-          </a:xfrm>
-          <a:prstGeom prst="rect">
-            <a:avLst/>
-          </a:prstGeom>
-        </p:spPr>
-      </p:pic>
       <p:sp>
         <p:nvSpPr>
           <p:cNvPr id="29" name="Rectangle 28">
@@ -11974,7 +11808,7 @@
         </p:nvSpPr>
         <p:spPr>
           <a:xfrm>
-            <a:off x="24162317" y="6810669"/>
+            <a:off x="23678804" y="6810205"/>
             <a:ext cx="2483356" cy="430887"/>
           </a:xfrm>
           <a:prstGeom prst="rect">
@@ -12013,7 +11847,7 @@
           <p:nvPr/>
         </p:nvPicPr>
         <p:blipFill rotWithShape="1">
-          <a:blip r:embed="rId11">
+          <a:blip r:embed="rId9">
             <a:extLst>
               <a:ext uri="{28A0092B-C50C-407E-A947-70E740481C1C}">
                 <a14:useLocalDpi xmlns:a14="http://schemas.microsoft.com/office/drawing/2010/main" val="0"/>
@@ -12090,13 +11924,13 @@
           <p:nvPr/>
         </p:nvPicPr>
         <p:blipFill>
-          <a:blip r:embed="rId12">
+          <a:blip r:embed="rId10">
             <a:extLst>
               <a:ext uri="{28A0092B-C50C-407E-A947-70E740481C1C}">
                 <a14:useLocalDpi xmlns:a14="http://schemas.microsoft.com/office/drawing/2010/main" val="0"/>
               </a:ext>
               <a:ext uri="{96DAC541-7B7A-43D3-8B79-37D633B846F1}">
-                <asvg:svgBlip xmlns:asvg="http://schemas.microsoft.com/office/drawing/2016/SVG/main" r:embed="rId13"/>
+                <asvg:svgBlip xmlns:asvg="http://schemas.microsoft.com/office/drawing/2016/SVG/main" r:embed="rId11"/>
               </a:ext>
             </a:extLst>
           </a:blip>
@@ -12129,13 +11963,13 @@
           <p:nvPr/>
         </p:nvPicPr>
         <p:blipFill>
-          <a:blip r:embed="rId12">
+          <a:blip r:embed="rId10">
             <a:extLst>
               <a:ext uri="{28A0092B-C50C-407E-A947-70E740481C1C}">
                 <a14:useLocalDpi xmlns:a14="http://schemas.microsoft.com/office/drawing/2010/main" val="0"/>
               </a:ext>
               <a:ext uri="{96DAC541-7B7A-43D3-8B79-37D633B846F1}">
-                <asvg:svgBlip xmlns:asvg="http://schemas.microsoft.com/office/drawing/2016/SVG/main" r:embed="rId13"/>
+                <asvg:svgBlip xmlns:asvg="http://schemas.microsoft.com/office/drawing/2016/SVG/main" r:embed="rId11"/>
               </a:ext>
             </a:extLst>
           </a:blip>
@@ -12168,13 +12002,13 @@
           <p:nvPr/>
         </p:nvPicPr>
         <p:blipFill>
-          <a:blip r:embed="rId14">
+          <a:blip r:embed="rId12">
             <a:extLst>
               <a:ext uri="{28A0092B-C50C-407E-A947-70E740481C1C}">
                 <a14:useLocalDpi xmlns:a14="http://schemas.microsoft.com/office/drawing/2010/main" val="0"/>
               </a:ext>
               <a:ext uri="{96DAC541-7B7A-43D3-8B79-37D633B846F1}">
-                <asvg:svgBlip xmlns:asvg="http://schemas.microsoft.com/office/drawing/2016/SVG/main" r:embed="rId15"/>
+                <asvg:svgBlip xmlns:asvg="http://schemas.microsoft.com/office/drawing/2016/SVG/main" r:embed="rId13"/>
               </a:ext>
             </a:extLst>
           </a:blip>
@@ -12207,13 +12041,13 @@
           <p:nvPr/>
         </p:nvPicPr>
         <p:blipFill>
-          <a:blip r:embed="rId14">
+          <a:blip r:embed="rId12">
             <a:extLst>
               <a:ext uri="{28A0092B-C50C-407E-A947-70E740481C1C}">
                 <a14:useLocalDpi xmlns:a14="http://schemas.microsoft.com/office/drawing/2010/main" val="0"/>
               </a:ext>
               <a:ext uri="{96DAC541-7B7A-43D3-8B79-37D633B846F1}">
-                <asvg:svgBlip xmlns:asvg="http://schemas.microsoft.com/office/drawing/2016/SVG/main" r:embed="rId15"/>
+                <asvg:svgBlip xmlns:asvg="http://schemas.microsoft.com/office/drawing/2016/SVG/main" r:embed="rId13"/>
               </a:ext>
             </a:extLst>
           </a:blip>
@@ -12246,13 +12080,13 @@
           <p:nvPr/>
         </p:nvPicPr>
         <p:blipFill>
-          <a:blip r:embed="rId14">
+          <a:blip r:embed="rId12">
             <a:extLst>
               <a:ext uri="{28A0092B-C50C-407E-A947-70E740481C1C}">
                 <a14:useLocalDpi xmlns:a14="http://schemas.microsoft.com/office/drawing/2010/main" val="0"/>
               </a:ext>
               <a:ext uri="{96DAC541-7B7A-43D3-8B79-37D633B846F1}">
-                <asvg:svgBlip xmlns:asvg="http://schemas.microsoft.com/office/drawing/2016/SVG/main" r:embed="rId15"/>
+                <asvg:svgBlip xmlns:asvg="http://schemas.microsoft.com/office/drawing/2016/SVG/main" r:embed="rId13"/>
               </a:ext>
             </a:extLst>
           </a:blip>
@@ -12285,13 +12119,13 @@
           <p:nvPr/>
         </p:nvPicPr>
         <p:blipFill>
-          <a:blip r:embed="rId14">
+          <a:blip r:embed="rId12">
             <a:extLst>
               <a:ext uri="{28A0092B-C50C-407E-A947-70E740481C1C}">
                 <a14:useLocalDpi xmlns:a14="http://schemas.microsoft.com/office/drawing/2010/main" val="0"/>
               </a:ext>
               <a:ext uri="{96DAC541-7B7A-43D3-8B79-37D633B846F1}">
-                <asvg:svgBlip xmlns:asvg="http://schemas.microsoft.com/office/drawing/2016/SVG/main" r:embed="rId15"/>
+                <asvg:svgBlip xmlns:asvg="http://schemas.microsoft.com/office/drawing/2016/SVG/main" r:embed="rId13"/>
               </a:ext>
             </a:extLst>
           </a:blip>
@@ -12324,13 +12158,13 @@
           <p:nvPr/>
         </p:nvPicPr>
         <p:blipFill>
-          <a:blip r:embed="rId14">
+          <a:blip r:embed="rId12">
             <a:extLst>
               <a:ext uri="{28A0092B-C50C-407E-A947-70E740481C1C}">
                 <a14:useLocalDpi xmlns:a14="http://schemas.microsoft.com/office/drawing/2010/main" val="0"/>
               </a:ext>
               <a:ext uri="{96DAC541-7B7A-43D3-8B79-37D633B846F1}">
-                <asvg:svgBlip xmlns:asvg="http://schemas.microsoft.com/office/drawing/2016/SVG/main" r:embed="rId15"/>
+                <asvg:svgBlip xmlns:asvg="http://schemas.microsoft.com/office/drawing/2016/SVG/main" r:embed="rId13"/>
               </a:ext>
             </a:extLst>
           </a:blip>
@@ -12363,13 +12197,13 @@
           <p:nvPr/>
         </p:nvPicPr>
         <p:blipFill>
-          <a:blip r:embed="rId14">
+          <a:blip r:embed="rId12">
             <a:extLst>
               <a:ext uri="{28A0092B-C50C-407E-A947-70E740481C1C}">
                 <a14:useLocalDpi xmlns:a14="http://schemas.microsoft.com/office/drawing/2010/main" val="0"/>
               </a:ext>
               <a:ext uri="{96DAC541-7B7A-43D3-8B79-37D633B846F1}">
-                <asvg:svgBlip xmlns:asvg="http://schemas.microsoft.com/office/drawing/2016/SVG/main" r:embed="rId15"/>
+                <asvg:svgBlip xmlns:asvg="http://schemas.microsoft.com/office/drawing/2016/SVG/main" r:embed="rId13"/>
               </a:ext>
             </a:extLst>
           </a:blip>
@@ -13471,13 +13305,13 @@
           <p:nvPr/>
         </p:nvPicPr>
         <p:blipFill>
-          <a:blip r:embed="rId16">
+          <a:blip r:embed="rId14">
             <a:extLst>
               <a:ext uri="{28A0092B-C50C-407E-A947-70E740481C1C}">
                 <a14:useLocalDpi xmlns:a14="http://schemas.microsoft.com/office/drawing/2010/main" val="0"/>
               </a:ext>
               <a:ext uri="{96DAC541-7B7A-43D3-8B79-37D633B846F1}">
-                <asvg:svgBlip xmlns:asvg="http://schemas.microsoft.com/office/drawing/2016/SVG/main" r:embed="rId17"/>
+                <asvg:svgBlip xmlns:asvg="http://schemas.microsoft.com/office/drawing/2016/SVG/main" r:embed="rId15"/>
               </a:ext>
             </a:extLst>
           </a:blip>
@@ -13487,7 +13321,7 @@
         </p:blipFill>
         <p:spPr>
           <a:xfrm flipH="1">
-            <a:off x="9488519" y="28745748"/>
+            <a:off x="9523232" y="28781606"/>
             <a:ext cx="982776" cy="982776"/>
           </a:xfrm>
           <a:prstGeom prst="rect">
@@ -13510,13 +13344,13 @@
           <p:nvPr/>
         </p:nvPicPr>
         <p:blipFill>
-          <a:blip r:embed="rId18">
+          <a:blip r:embed="rId16">
             <a:extLst>
               <a:ext uri="{28A0092B-C50C-407E-A947-70E740481C1C}">
                 <a14:useLocalDpi xmlns:a14="http://schemas.microsoft.com/office/drawing/2010/main" val="0"/>
               </a:ext>
               <a:ext uri="{96DAC541-7B7A-43D3-8B79-37D633B846F1}">
-                <asvg:svgBlip xmlns:asvg="http://schemas.microsoft.com/office/drawing/2016/SVG/main" r:embed="rId19"/>
+                <asvg:svgBlip xmlns:asvg="http://schemas.microsoft.com/office/drawing/2016/SVG/main" r:embed="rId17"/>
               </a:ext>
             </a:extLst>
           </a:blip>
@@ -13526,7 +13360,7 @@
         </p:blipFill>
         <p:spPr>
           <a:xfrm>
-            <a:off x="9646055" y="29918630"/>
+            <a:off x="9604388" y="29960591"/>
             <a:ext cx="777981" cy="777981"/>
           </a:xfrm>
           <a:prstGeom prst="rect">
@@ -13548,8 +13382,8 @@
         </p:nvSpPr>
         <p:spPr>
           <a:xfrm>
-            <a:off x="10595306" y="30117719"/>
-            <a:ext cx="2171708" cy="430887"/>
+            <a:off x="10449346" y="30082091"/>
+            <a:ext cx="2171708" cy="477054"/>
           </a:xfrm>
           <a:prstGeom prst="rect">
             <a:avLst/>
@@ -13564,7 +13398,7 @@
           <a:p>
             <a:pPr algn="ctr"/>
             <a:r>
-              <a:rPr lang="en-IN" sz="2200" b="1" dirty="0">
+              <a:rPr lang="en-IN" sz="2500" b="1" dirty="0">
                 <a:solidFill>
                   <a:srgbClr val="000760"/>
                 </a:solidFill>
@@ -13590,8 +13424,8 @@
         </p:nvSpPr>
         <p:spPr>
           <a:xfrm>
-            <a:off x="10628707" y="28976939"/>
-            <a:ext cx="1862852" cy="430887"/>
+            <a:off x="10454242" y="29125345"/>
+            <a:ext cx="1862852" cy="477054"/>
           </a:xfrm>
           <a:prstGeom prst="rect">
             <a:avLst/>
@@ -13606,7 +13440,7 @@
           <a:p>
             <a:pPr algn="ctr"/>
             <a:r>
-              <a:rPr lang="en-IN" sz="2200" b="1" dirty="0">
+              <a:rPr lang="en-IN" sz="2500" b="1" dirty="0">
                 <a:solidFill>
                   <a:schemeClr val="accent4">
                     <a:lumMod val="75000"/>
@@ -13674,13 +13508,13 @@
           <p:nvPr/>
         </p:nvPicPr>
         <p:blipFill>
-          <a:blip r:embed="rId20">
+          <a:blip r:embed="rId18">
             <a:extLst>
               <a:ext uri="{28A0092B-C50C-407E-A947-70E740481C1C}">
                 <a14:useLocalDpi xmlns:a14="http://schemas.microsoft.com/office/drawing/2010/main" val="0"/>
               </a:ext>
               <a:ext uri="{96DAC541-7B7A-43D3-8B79-37D633B846F1}">
-                <asvg:svgBlip xmlns:asvg="http://schemas.microsoft.com/office/drawing/2016/SVG/main" r:embed="rId21"/>
+                <asvg:svgBlip xmlns:asvg="http://schemas.microsoft.com/office/drawing/2016/SVG/main" r:embed="rId19"/>
               </a:ext>
             </a:extLst>
           </a:blip>
@@ -13713,13 +13547,13 @@
           <p:nvPr/>
         </p:nvPicPr>
         <p:blipFill>
-          <a:blip r:embed="rId20">
+          <a:blip r:embed="rId18">
             <a:extLst>
               <a:ext uri="{28A0092B-C50C-407E-A947-70E740481C1C}">
                 <a14:useLocalDpi xmlns:a14="http://schemas.microsoft.com/office/drawing/2010/main" val="0"/>
               </a:ext>
               <a:ext uri="{96DAC541-7B7A-43D3-8B79-37D633B846F1}">
-                <asvg:svgBlip xmlns:asvg="http://schemas.microsoft.com/office/drawing/2016/SVG/main" r:embed="rId21"/>
+                <asvg:svgBlip xmlns:asvg="http://schemas.microsoft.com/office/drawing/2016/SVG/main" r:embed="rId19"/>
               </a:ext>
             </a:extLst>
           </a:blip>
@@ -13752,13 +13586,13 @@
           <p:nvPr/>
         </p:nvPicPr>
         <p:blipFill>
-          <a:blip r:embed="rId20">
+          <a:blip r:embed="rId18">
             <a:extLst>
               <a:ext uri="{28A0092B-C50C-407E-A947-70E740481C1C}">
                 <a14:useLocalDpi xmlns:a14="http://schemas.microsoft.com/office/drawing/2010/main" val="0"/>
               </a:ext>
               <a:ext uri="{96DAC541-7B7A-43D3-8B79-37D633B846F1}">
-                <asvg:svgBlip xmlns:asvg="http://schemas.microsoft.com/office/drawing/2016/SVG/main" r:embed="rId21"/>
+                <asvg:svgBlip xmlns:asvg="http://schemas.microsoft.com/office/drawing/2016/SVG/main" r:embed="rId19"/>
               </a:ext>
             </a:extLst>
           </a:blip>
@@ -13791,13 +13625,13 @@
           <p:nvPr/>
         </p:nvPicPr>
         <p:blipFill>
-          <a:blip r:embed="rId20">
+          <a:blip r:embed="rId18">
             <a:extLst>
               <a:ext uri="{28A0092B-C50C-407E-A947-70E740481C1C}">
                 <a14:useLocalDpi xmlns:a14="http://schemas.microsoft.com/office/drawing/2010/main" val="0"/>
               </a:ext>
               <a:ext uri="{96DAC541-7B7A-43D3-8B79-37D633B846F1}">
-                <asvg:svgBlip xmlns:asvg="http://schemas.microsoft.com/office/drawing/2016/SVG/main" r:embed="rId21"/>
+                <asvg:svgBlip xmlns:asvg="http://schemas.microsoft.com/office/drawing/2016/SVG/main" r:embed="rId19"/>
               </a:ext>
             </a:extLst>
           </a:blip>
@@ -13830,13 +13664,13 @@
           <p:nvPr/>
         </p:nvPicPr>
         <p:blipFill>
-          <a:blip r:embed="rId20">
+          <a:blip r:embed="rId18">
             <a:extLst>
               <a:ext uri="{28A0092B-C50C-407E-A947-70E740481C1C}">
                 <a14:useLocalDpi xmlns:a14="http://schemas.microsoft.com/office/drawing/2010/main" val="0"/>
               </a:ext>
               <a:ext uri="{96DAC541-7B7A-43D3-8B79-37D633B846F1}">
-                <asvg:svgBlip xmlns:asvg="http://schemas.microsoft.com/office/drawing/2016/SVG/main" r:embed="rId21"/>
+                <asvg:svgBlip xmlns:asvg="http://schemas.microsoft.com/office/drawing/2016/SVG/main" r:embed="rId19"/>
               </a:ext>
             </a:extLst>
           </a:blip>
@@ -13869,13 +13703,13 @@
           <p:nvPr/>
         </p:nvPicPr>
         <p:blipFill>
-          <a:blip r:embed="rId20">
+          <a:blip r:embed="rId18">
             <a:extLst>
               <a:ext uri="{28A0092B-C50C-407E-A947-70E740481C1C}">
                 <a14:useLocalDpi xmlns:a14="http://schemas.microsoft.com/office/drawing/2010/main" val="0"/>
               </a:ext>
               <a:ext uri="{96DAC541-7B7A-43D3-8B79-37D633B846F1}">
-                <asvg:svgBlip xmlns:asvg="http://schemas.microsoft.com/office/drawing/2016/SVG/main" r:embed="rId21"/>
+                <asvg:svgBlip xmlns:asvg="http://schemas.microsoft.com/office/drawing/2016/SVG/main" r:embed="rId19"/>
               </a:ext>
             </a:extLst>
           </a:blip>
@@ -13960,13 +13794,13 @@
           <p:nvPr/>
         </p:nvPicPr>
         <p:blipFill>
-          <a:blip r:embed="rId18">
+          <a:blip r:embed="rId16">
             <a:extLst>
               <a:ext uri="{28A0092B-C50C-407E-A947-70E740481C1C}">
                 <a14:useLocalDpi xmlns:a14="http://schemas.microsoft.com/office/drawing/2010/main" val="0"/>
               </a:ext>
               <a:ext uri="{96DAC541-7B7A-43D3-8B79-37D633B846F1}">
-                <asvg:svgBlip xmlns:asvg="http://schemas.microsoft.com/office/drawing/2016/SVG/main" r:embed="rId19"/>
+                <asvg:svgBlip xmlns:asvg="http://schemas.microsoft.com/office/drawing/2016/SVG/main" r:embed="rId17"/>
               </a:ext>
             </a:extLst>
           </a:blip>
@@ -13999,13 +13833,13 @@
           <p:nvPr/>
         </p:nvPicPr>
         <p:blipFill>
-          <a:blip r:embed="rId18">
+          <a:blip r:embed="rId16">
             <a:extLst>
               <a:ext uri="{28A0092B-C50C-407E-A947-70E740481C1C}">
                 <a14:useLocalDpi xmlns:a14="http://schemas.microsoft.com/office/drawing/2010/main" val="0"/>
               </a:ext>
               <a:ext uri="{96DAC541-7B7A-43D3-8B79-37D633B846F1}">
-                <asvg:svgBlip xmlns:asvg="http://schemas.microsoft.com/office/drawing/2016/SVG/main" r:embed="rId19"/>
+                <asvg:svgBlip xmlns:asvg="http://schemas.microsoft.com/office/drawing/2016/SVG/main" r:embed="rId17"/>
               </a:ext>
             </a:extLst>
           </a:blip>
@@ -14293,6 +14127,234 @@
             <a:r>
               <a:rPr lang="en-IN" sz="2200" dirty="0"/>
               <a:t>Fig 2: Execution time of static A* and dynamic A* on graph Wiki-Talk</a:t>
+            </a:r>
+          </a:p>
+        </p:txBody>
+      </p:sp>
+      <p:pic>
+        <p:nvPicPr>
+          <p:cNvPr id="3" name="Picture 2">
+            <a:extLst>
+              <a:ext uri="{FF2B5EF4-FFF2-40B4-BE49-F238E27FC236}">
+                <a16:creationId xmlns:a16="http://schemas.microsoft.com/office/drawing/2014/main" id="{242C8FFD-C0EF-411E-94DB-08D03E1DC85B}"/>
+              </a:ext>
+            </a:extLst>
+          </p:cNvPr>
+          <p:cNvPicPr>
+            <a:picLocks noChangeAspect="1"/>
+          </p:cNvPicPr>
+          <p:nvPr/>
+        </p:nvPicPr>
+        <p:blipFill rotWithShape="1">
+          <a:blip r:embed="rId20">
+            <a:extLst>
+              <a:ext uri="{28A0092B-C50C-407E-A947-70E740481C1C}">
+                <a14:useLocalDpi xmlns:a14="http://schemas.microsoft.com/office/drawing/2010/main" val="0"/>
+              </a:ext>
+            </a:extLst>
+          </a:blip>
+          <a:srcRect t="18859" r="38550" b="6636"/>
+          <a:stretch/>
+        </p:blipFill>
+        <p:spPr>
+          <a:xfrm>
+            <a:off x="20733510" y="7508032"/>
+            <a:ext cx="8502430" cy="4718084"/>
+          </a:xfrm>
+          <a:prstGeom prst="rect">
+            <a:avLst/>
+          </a:prstGeom>
+        </p:spPr>
+      </p:pic>
+      <p:grpSp>
+        <p:nvGrpSpPr>
+          <p:cNvPr id="145" name="Group 144">
+            <a:extLst>
+              <a:ext uri="{FF2B5EF4-FFF2-40B4-BE49-F238E27FC236}">
+                <a16:creationId xmlns:a16="http://schemas.microsoft.com/office/drawing/2014/main" id="{7E369929-3788-4CCD-B2BE-B68E6C9D280F}"/>
+              </a:ext>
+            </a:extLst>
+          </p:cNvPr>
+          <p:cNvGrpSpPr/>
+          <p:nvPr/>
+        </p:nvGrpSpPr>
+        <p:grpSpPr>
+          <a:xfrm>
+            <a:off x="15445503" y="7350023"/>
+            <a:ext cx="5520089" cy="3872664"/>
+            <a:chOff x="18072807" y="19738535"/>
+            <a:chExt cx="7393525" cy="5019982"/>
+          </a:xfrm>
+        </p:grpSpPr>
+        <p:graphicFrame>
+          <p:nvGraphicFramePr>
+            <p:cNvPr id="163" name="Chart 162">
+              <a:extLst>
+                <a:ext uri="{FF2B5EF4-FFF2-40B4-BE49-F238E27FC236}">
+                  <a16:creationId xmlns:a16="http://schemas.microsoft.com/office/drawing/2014/main" id="{9D5E1925-F39D-4DE9-B7B6-D717D5273BE9}"/>
+                </a:ext>
+              </a:extLst>
+            </p:cNvPr>
+            <p:cNvGraphicFramePr/>
+            <p:nvPr>
+              <p:extLst>
+                <p:ext uri="{D42A27DB-BD31-4B8C-83A1-F6EECF244321}">
+                  <p14:modId xmlns:p14="http://schemas.microsoft.com/office/powerpoint/2010/main" val="3121819518"/>
+                </p:ext>
+              </p:extLst>
+            </p:nvPr>
+          </p:nvGraphicFramePr>
+          <p:xfrm>
+            <a:off x="18072807" y="19738535"/>
+            <a:ext cx="7393525" cy="5019982"/>
+          </p:xfrm>
+          <a:graphic>
+            <a:graphicData uri="http://schemas.openxmlformats.org/drawingml/2006/chart">
+              <c:chart xmlns:c="http://schemas.openxmlformats.org/drawingml/2006/chart" xmlns:r="http://schemas.openxmlformats.org/officeDocument/2006/relationships" r:id="rId21"/>
+            </a:graphicData>
+          </a:graphic>
+        </p:graphicFrame>
+        <p:sp>
+          <p:nvSpPr>
+            <p:cNvPr id="164" name="Oval 163">
+              <a:extLst>
+                <a:ext uri="{FF2B5EF4-FFF2-40B4-BE49-F238E27FC236}">
+                  <a16:creationId xmlns:a16="http://schemas.microsoft.com/office/drawing/2014/main" id="{D171240F-CD9F-4357-9604-D3A00FEFC3C4}"/>
+                </a:ext>
+              </a:extLst>
+            </p:cNvPr>
+            <p:cNvSpPr/>
+            <p:nvPr/>
+          </p:nvSpPr>
+          <p:spPr>
+            <a:xfrm>
+              <a:off x="20832531" y="21361945"/>
+              <a:ext cx="1918223" cy="1803236"/>
+            </a:xfrm>
+            <a:prstGeom prst="ellipse">
+              <a:avLst/>
+            </a:prstGeom>
+            <a:solidFill>
+              <a:srgbClr val="F6416C"/>
+            </a:solidFill>
+          </p:spPr>
+          <p:style>
+            <a:lnRef idx="0">
+              <a:schemeClr val="accent4"/>
+            </a:lnRef>
+            <a:fillRef idx="3">
+              <a:schemeClr val="accent4"/>
+            </a:fillRef>
+            <a:effectRef idx="3">
+              <a:schemeClr val="accent4"/>
+            </a:effectRef>
+            <a:fontRef idx="minor">
+              <a:schemeClr val="lt1"/>
+            </a:fontRef>
+          </p:style>
+          <p:txBody>
+            <a:bodyPr rtlCol="0" anchor="ctr"/>
+            <a:lstStyle/>
+            <a:p>
+              <a:pPr algn="ctr"/>
+              <a:r>
+                <a:rPr lang="en-IN" sz="4200" b="1" dirty="0">
+                  <a:ea typeface="Cambria Math" panose="02040503050406030204" pitchFamily="18" charset="0"/>
+                  <a:cs typeface="Arial" panose="020B0604020202020204" pitchFamily="34" charset="0"/>
+                </a:rPr>
+                <a:t>5</a:t>
+              </a:r>
+              <a:r>
+                <a:rPr lang="en-IN" sz="3600" dirty="0">
+                  <a:latin typeface="Arial" panose="020B0604020202020204" pitchFamily="34" charset="0"/>
+                  <a:cs typeface="Arial" panose="020B0604020202020204" pitchFamily="34" charset="0"/>
+                </a:rPr>
+                <a:t>x</a:t>
+              </a:r>
+            </a:p>
+          </p:txBody>
+        </p:sp>
+      </p:grpSp>
+      <p:sp>
+        <p:nvSpPr>
+          <p:cNvPr id="9" name="TextBox 8">
+            <a:extLst>
+              <a:ext uri="{FF2B5EF4-FFF2-40B4-BE49-F238E27FC236}">
+                <a16:creationId xmlns:a16="http://schemas.microsoft.com/office/drawing/2014/main" id="{ECE52963-49D6-4E7F-B332-E6D5EDACD286}"/>
+              </a:ext>
+            </a:extLst>
+          </p:cNvPr>
+          <p:cNvSpPr txBox="1"/>
+          <p:nvPr/>
+        </p:nvSpPr>
+        <p:spPr>
+          <a:xfrm>
+            <a:off x="7185404" y="28578300"/>
+            <a:ext cx="877171" cy="369204"/>
+          </a:xfrm>
+          <a:prstGeom prst="rect">
+            <a:avLst/>
+          </a:prstGeom>
+          <a:noFill/>
+        </p:spPr>
+        <p:txBody>
+          <a:bodyPr wrap="square" rtlCol="0">
+            <a:spAutoFit/>
+          </a:bodyPr>
+          <a:lstStyle/>
+          <a:p>
+            <a:r>
+              <a:rPr lang="en-IN" b="1" dirty="0">
+                <a:solidFill>
+                  <a:srgbClr val="02785F"/>
+                </a:solidFill>
+                <a:latin typeface="Roboto" panose="02000000000000000000" pitchFamily="2" charset="0"/>
+                <a:ea typeface="Roboto" panose="02000000000000000000" pitchFamily="2" charset="0"/>
+                <a:cs typeface="Raavi" panose="020B0502040204020203" pitchFamily="34" charset="0"/>
+              </a:rPr>
+              <a:t>19.1 s</a:t>
+            </a:r>
+          </a:p>
+        </p:txBody>
+      </p:sp>
+      <p:sp>
+        <p:nvSpPr>
+          <p:cNvPr id="166" name="TextBox 165">
+            <a:extLst>
+              <a:ext uri="{FF2B5EF4-FFF2-40B4-BE49-F238E27FC236}">
+                <a16:creationId xmlns:a16="http://schemas.microsoft.com/office/drawing/2014/main" id="{F81A2F7C-90DE-4BEE-AA0C-51608101B117}"/>
+              </a:ext>
+            </a:extLst>
+          </p:cNvPr>
+          <p:cNvSpPr txBox="1"/>
+          <p:nvPr/>
+        </p:nvSpPr>
+        <p:spPr>
+          <a:xfrm>
+            <a:off x="1756423" y="31144583"/>
+            <a:ext cx="828705" cy="369204"/>
+          </a:xfrm>
+          <a:prstGeom prst="rect">
+            <a:avLst/>
+          </a:prstGeom>
+          <a:noFill/>
+        </p:spPr>
+        <p:txBody>
+          <a:bodyPr wrap="square" rtlCol="0">
+            <a:spAutoFit/>
+          </a:bodyPr>
+          <a:lstStyle/>
+          <a:p>
+            <a:r>
+              <a:rPr lang="en-IN" b="1" dirty="0">
+                <a:solidFill>
+                  <a:srgbClr val="000760"/>
+                </a:solidFill>
+                <a:latin typeface="Roboto" panose="02000000000000000000" pitchFamily="2" charset="0"/>
+                <a:ea typeface="Roboto" panose="02000000000000000000" pitchFamily="2" charset="0"/>
+                <a:cs typeface="Raavi" panose="020B0502040204020203" pitchFamily="34" charset="0"/>
+              </a:rPr>
+              <a:t>3.4 s</a:t>
             </a:r>
           </a:p>
         </p:txBody>

--- a/poster/poster2.pptx
+++ b/poster/poster2.pptx
@@ -13402,7 +13402,7 @@
                 <a:solidFill>
                   <a:srgbClr val="000760"/>
                 </a:solidFill>
-                <a:latin typeface="Roboto" panose="02000000000000000000" pitchFamily="2" charset="0"/>
+                <a:latin typeface="Montserrat Semi Bold" panose="00000700000000000000" pitchFamily="50" charset="0"/>
                 <a:ea typeface="Roboto" panose="02000000000000000000" pitchFamily="2" charset="0"/>
               </a:rPr>
               <a:t>Dynamic A*</a:t>
@@ -13440,13 +13440,13 @@
           <a:p>
             <a:pPr algn="ctr"/>
             <a:r>
-              <a:rPr lang="en-IN" sz="2500" b="1" dirty="0">
+              <a:rPr lang="en-IN" sz="2500" dirty="0">
                 <a:solidFill>
                   <a:schemeClr val="accent4">
                     <a:lumMod val="75000"/>
                   </a:schemeClr>
                 </a:solidFill>
-                <a:latin typeface="Roboto" panose="02000000000000000000" pitchFamily="2" charset="0"/>
+                <a:latin typeface="Montserrat Semi Bold" panose="00000700000000000000" pitchFamily="50" charset="0"/>
                 <a:ea typeface="Roboto" panose="02000000000000000000" pitchFamily="2" charset="0"/>
               </a:rPr>
               <a:t>Static A*</a:t>
@@ -13703,13 +13703,13 @@
           <p:nvPr/>
         </p:nvPicPr>
         <p:blipFill>
-          <a:blip r:embed="rId18">
+          <a:blip r:embed="rId14">
             <a:extLst>
               <a:ext uri="{28A0092B-C50C-407E-A947-70E740481C1C}">
                 <a14:useLocalDpi xmlns:a14="http://schemas.microsoft.com/office/drawing/2010/main" val="0"/>
               </a:ext>
               <a:ext uri="{96DAC541-7B7A-43D3-8B79-37D633B846F1}">
-                <asvg:svgBlip xmlns:asvg="http://schemas.microsoft.com/office/drawing/2016/SVG/main" r:embed="rId19"/>
+                <asvg:svgBlip xmlns:asvg="http://schemas.microsoft.com/office/drawing/2016/SVG/main" r:embed="rId15"/>
               </a:ext>
             </a:extLst>
           </a:blip>
@@ -13905,7 +13905,7 @@
           <a:lstStyle/>
           <a:p>
             <a:pPr algn="ctr"/>
-            <a:endParaRPr lang="en-IN"/>
+            <a:endParaRPr lang="en-IN" dirty="0"/>
           </a:p>
         </p:txBody>
       </p:sp>
@@ -14289,8 +14289,8 @@
         </p:nvSpPr>
         <p:spPr>
           <a:xfrm>
-            <a:off x="7185404" y="28578300"/>
-            <a:ext cx="877171" cy="369204"/>
+            <a:off x="6801535" y="28517689"/>
+            <a:ext cx="1213062" cy="461665"/>
           </a:xfrm>
           <a:prstGeom prst="rect">
             <a:avLst/>
@@ -14304,7 +14304,7 @@
           <a:lstStyle/>
           <a:p>
             <a:r>
-              <a:rPr lang="en-IN" b="1" dirty="0">
+              <a:rPr lang="en-IN" sz="2400" b="1" dirty="0">
                 <a:solidFill>
                   <a:srgbClr val="02785F"/>
                 </a:solidFill>
@@ -14331,8 +14331,8 @@
         </p:nvSpPr>
         <p:spPr>
           <a:xfrm>
-            <a:off x="1756423" y="31144583"/>
-            <a:ext cx="828705" cy="369204"/>
+            <a:off x="1490558" y="31042078"/>
+            <a:ext cx="916264" cy="461665"/>
           </a:xfrm>
           <a:prstGeom prst="rect">
             <a:avLst/>
@@ -14346,7 +14346,7 @@
           <a:lstStyle/>
           <a:p>
             <a:r>
-              <a:rPr lang="en-IN" b="1" dirty="0">
+              <a:rPr lang="en-IN" sz="2400" b="1" dirty="0">
                 <a:solidFill>
                   <a:srgbClr val="000760"/>
                 </a:solidFill>
